--- a/agile moves/Tomtoes (TOM)/ger_TOM_06_Tomatenmeeting.pptx
+++ b/agile moves/Tomtoes (TOM)/ger_TOM_06_Tomatenmeeting.pptx
@@ -2128,11 +2128,7 @@
             </a:pPr>
             <a:r>
               <a:rPr lang="de-DE" dirty="0" smtClean="0"/>
-              <a:t>Wenn</a:t>
-            </a:r>
-            <a:r>
-              <a:rPr lang="de-DE" dirty="0" smtClean="0"/>
-              <a:t> </a:t>
+              <a:t>Wenn </a:t>
             </a:r>
             <a:r>
               <a:rPr lang="de-DE" dirty="0"/>
@@ -2140,11 +2136,15 @@
             </a:r>
             <a:r>
               <a:rPr lang="de-DE" dirty="0" smtClean="0"/>
-              <a:t>eines Treffens transparent sind kann die knappe Zeit </a:t>
-            </a:r>
-            <a:r>
-              <a:rPr lang="de-DE" dirty="0" smtClean="0"/>
-              <a:t>effizienter genutzt werden. Außerdem macht es mehr Spaß, </a:t>
+              <a:t>eines Treffens transparent </a:t>
+            </a:r>
+            <a:r>
+              <a:rPr lang="de-DE" dirty="0" smtClean="0"/>
+              <a:t>sind, </a:t>
+            </a:r>
+            <a:r>
+              <a:rPr lang="de-DE" dirty="0" smtClean="0"/>
+              <a:t>kann die knappe Zeit effizienter genutzt werden. Außerdem macht es mehr Spaß, </a:t>
             </a:r>
             <a:r>
               <a:rPr lang="de-DE" dirty="0"/>
@@ -2192,15 +2192,7 @@
             </a:pPr>
             <a:r>
               <a:rPr lang="de-DE" dirty="0" smtClean="0"/>
-              <a:t>Beim Tomatenmeeting wird die </a:t>
-            </a:r>
-            <a:r>
-              <a:rPr lang="de-DE" dirty="0" smtClean="0"/>
-              <a:t>Agenda </a:t>
-            </a:r>
-            <a:r>
-              <a:rPr lang="de-DE" dirty="0" smtClean="0"/>
-              <a:t>vorab </a:t>
+              <a:t>Beim Tomatenmeeting wird die Agenda vorab </a:t>
             </a:r>
             <a:r>
               <a:rPr lang="de-DE" dirty="0"/>
@@ -2243,11 +2235,7 @@
             </a:r>
             <a:r>
               <a:rPr lang="de-DE" dirty="0" smtClean="0"/>
-              <a:t>Es werden Arbeitspakete geschnürt, die</a:t>
-            </a:r>
-            <a:r>
-              <a:rPr lang="de-DE" dirty="0" smtClean="0"/>
-              <a:t> </a:t>
+              <a:t>Es werden Arbeitspakete geschnürt, die </a:t>
             </a:r>
             <a:r>
               <a:rPr lang="de-DE" dirty="0"/>
@@ -2258,14 +2246,13 @@
               <a:t>passen und klare </a:t>
             </a:r>
             <a:r>
-              <a:rPr lang="de-DE" dirty="0"/>
-              <a:t>Teilzielen </a:t>
+              <a:rPr lang="de-DE" dirty="0" smtClean="0"/>
+              <a:t>Teilziele </a:t>
             </a:r>
             <a:r>
               <a:rPr lang="de-DE" dirty="0" smtClean="0"/>
               <a:t>aufweisen. </a:t>
             </a:r>
-            <a:endParaRPr lang="de-DE" dirty="0" smtClean="0"/>
           </a:p>
           <a:p>
             <a:pPr lvl="1">
@@ -2365,16 +2352,83 @@
             </a:r>
             <a:r>
               <a:rPr lang="de-DE" dirty="0" smtClean="0"/>
-              <a:t> Software</a:t>
-            </a:r>
-            <a:r>
-              <a:rPr lang="de-DE" dirty="0" smtClean="0"/>
-              <a:t> </a:t>
+              <a:t> Software </a:t>
             </a:r>
             <a:r>
               <a:rPr lang="de-DE" dirty="0"/>
               <a:t>dokumentiert werden. </a:t>
             </a:r>
+          </a:p>
+        </p:txBody>
+      </p:sp>
+      <p:sp>
+        <p:nvSpPr>
+          <p:cNvPr id="3" name="Textfeld 2"/>
+          <p:cNvSpPr txBox="1"/>
+          <p:nvPr/>
+        </p:nvSpPr>
+        <p:spPr>
+          <a:xfrm>
+            <a:off x="0" y="73529"/>
+            <a:ext cx="7562850" cy="338554"/>
+          </a:xfrm>
+          <a:prstGeom prst="rect">
+            <a:avLst/>
+          </a:prstGeom>
+          <a:noFill/>
+        </p:spPr>
+        <p:txBody>
+          <a:bodyPr wrap="square" rtlCol="0">
+            <a:spAutoFit/>
+          </a:bodyPr>
+          <a:lstStyle/>
+          <a:p>
+            <a:endParaRPr lang="de-DE" dirty="0"/>
+          </a:p>
+        </p:txBody>
+      </p:sp>
+      <p:sp>
+        <p:nvSpPr>
+          <p:cNvPr id="6" name="Rechteck 5"/>
+          <p:cNvSpPr/>
+          <p:nvPr/>
+        </p:nvSpPr>
+        <p:spPr>
+          <a:xfrm>
+            <a:off x="0" y="0"/>
+            <a:ext cx="7562850" cy="5330825"/>
+          </a:xfrm>
+          <a:prstGeom prst="rect">
+            <a:avLst/>
+          </a:prstGeom>
+          <a:noFill/>
+          <a:ln>
+            <a:solidFill>
+              <a:schemeClr val="tx1"/>
+            </a:solidFill>
+          </a:ln>
+          <a:effectLst/>
+        </p:spPr>
+        <p:style>
+          <a:lnRef idx="1">
+            <a:schemeClr val="accent1"/>
+          </a:lnRef>
+          <a:fillRef idx="3">
+            <a:schemeClr val="accent1"/>
+          </a:fillRef>
+          <a:effectRef idx="2">
+            <a:schemeClr val="accent1"/>
+          </a:effectRef>
+          <a:fontRef idx="minor">
+            <a:schemeClr val="lt1"/>
+          </a:fontRef>
+        </p:style>
+        <p:txBody>
+          <a:bodyPr rtlCol="0" anchor="ctr"/>
+          <a:lstStyle/>
+          <a:p>
+            <a:pPr algn="ctr"/>
+            <a:endParaRPr lang="de-DE"/>
           </a:p>
         </p:txBody>
       </p:sp>
@@ -2448,15 +2502,7 @@
             </a:r>
             <a:r>
               <a:rPr lang="de-DE" dirty="0" smtClean="0"/>
-              <a:t>, das Aufteilen der Ziele in Tomaten </a:t>
-            </a:r>
-            <a:r>
-              <a:rPr lang="de-DE" dirty="0" smtClean="0"/>
-              <a:t>vor </a:t>
-            </a:r>
-            <a:r>
-              <a:rPr lang="de-DE" dirty="0" smtClean="0"/>
-              <a:t>dem </a:t>
+              <a:t>, das Aufteilen der Ziele in Tomaten vor dem </a:t>
             </a:r>
             <a:r>
               <a:rPr lang="de-DE" dirty="0"/>
@@ -2464,11 +2510,7 @@
             </a:r>
             <a:r>
               <a:rPr lang="de-DE" dirty="0" smtClean="0"/>
-              <a:t>eeting und das Überwachen der Zeit währenddessen verantw</a:t>
-            </a:r>
-            <a:r>
-              <a:rPr lang="de-DE" dirty="0" smtClean="0"/>
-              <a:t>ortlich fühlst.</a:t>
+              <a:t>eeting und das Überwachen der Zeit währenddessen verantwortlich fühlst.</a:t>
             </a:r>
           </a:p>
           <a:p>
@@ -2555,6 +2597,51 @@
               </a:spcBef>
             </a:pPr>
             <a:endParaRPr lang="de-DE" dirty="0"/>
+          </a:p>
+        </p:txBody>
+      </p:sp>
+      <p:sp>
+        <p:nvSpPr>
+          <p:cNvPr id="3" name="Rechteck 2"/>
+          <p:cNvSpPr/>
+          <p:nvPr/>
+        </p:nvSpPr>
+        <p:spPr>
+          <a:xfrm>
+            <a:off x="0" y="0"/>
+            <a:ext cx="7562850" cy="5330825"/>
+          </a:xfrm>
+          <a:prstGeom prst="rect">
+            <a:avLst/>
+          </a:prstGeom>
+          <a:noFill/>
+          <a:ln>
+            <a:solidFill>
+              <a:schemeClr val="tx1"/>
+            </a:solidFill>
+          </a:ln>
+          <a:effectLst/>
+        </p:spPr>
+        <p:style>
+          <a:lnRef idx="1">
+            <a:schemeClr val="accent1"/>
+          </a:lnRef>
+          <a:fillRef idx="3">
+            <a:schemeClr val="accent1"/>
+          </a:fillRef>
+          <a:effectRef idx="2">
+            <a:schemeClr val="accent1"/>
+          </a:effectRef>
+          <a:fontRef idx="minor">
+            <a:schemeClr val="lt1"/>
+          </a:fontRef>
+        </p:style>
+        <p:txBody>
+          <a:bodyPr rtlCol="0" anchor="ctr"/>
+          <a:lstStyle/>
+          <a:p>
+            <a:pPr algn="ctr"/>
+            <a:endParaRPr lang="de-DE"/>
           </a:p>
         </p:txBody>
       </p:sp>
